--- a/cppdug/2015-10-05/Building applications with GNU make.pptx
+++ b/cppdug/2015-10-05/Building applications with GNU make.pptx
@@ -7706,7 +7706,7 @@
             </a:pPr>
             <a:r>
               <a:rPr lang="en-US" sz="2800" dirty="0"/>
-              <a:t>Simply expanded variables – expanded when the variable is defined</a:t>
+              <a:t>Simply expanded – expanded when the variable is defined</a:t>
             </a:r>
           </a:p>
           <a:p>
@@ -8792,13 +8792,8 @@
             </a:pPr>
             <a:r>
               <a:rPr lang="en-US" dirty="0"/>
-              <a:t>GNU </a:t>
-            </a:r>
-            <a:r>
-              <a:rPr lang="en-US" dirty="0" err="1"/>
-              <a:t>Autotools</a:t>
-            </a:r>
-            <a:endParaRPr lang="en-US" dirty="0"/>
+              <a:t>GNU Autotools</a:t>
+            </a:r>
           </a:p>
           <a:p>
             <a:pPr>
@@ -8806,8 +8801,8 @@
               <a:buChar char="§"/>
             </a:pPr>
             <a:r>
-              <a:rPr lang="en-US" dirty="0" err="1"/>
-              <a:t>Cmake</a:t>
+              <a:rPr lang="en-US"/>
+              <a:t>CMake</a:t>
             </a:r>
             <a:endParaRPr lang="en-US" dirty="0"/>
           </a:p>
@@ -8834,12 +8829,8 @@
               <a:buChar char="§"/>
             </a:pPr>
             <a:r>
-              <a:rPr lang="en-US" dirty="0" err="1"/>
-              <a:t>Bazel</a:t>
-            </a:r>
-            <a:r>
               <a:rPr lang="en-US" dirty="0"/>
-              <a:t> (Google)</a:t>
+              <a:t>Bazel (Google)</a:t>
             </a:r>
           </a:p>
           <a:p>
@@ -8848,12 +8839,8 @@
               <a:buChar char="§"/>
             </a:pPr>
             <a:r>
-              <a:rPr lang="en-US" dirty="0" err="1"/>
-              <a:t>MSBuild</a:t>
-            </a:r>
-            <a:r>
               <a:rPr lang="en-US" dirty="0"/>
-              <a:t> (Microsoft)</a:t>
+              <a:t>MSBuild (Microsoft)</a:t>
             </a:r>
           </a:p>
           <a:p>
